--- a/Model Presentation.pptx
+++ b/Model Presentation.pptx
@@ -207,7 +207,7 @@
           <a:p>
             <a:fld id="{FC11C4B4-55E7-4B26-965A-5EB0A24309D3}" type="datetimeFigureOut">
               <a:rPr lang="en-GB" smtClean="0"/>
-              <a:t>02/12/2024</a:t>
+              <a:t>11/12/2024</a:t>
             </a:fld>
             <a:endParaRPr lang="en-GB"/>
           </a:p>
@@ -708,7 +708,7 @@
           <a:p>
             <a:fld id="{12AB5F0E-A95C-46BF-94C7-39E1AC4111E3}" type="datetimeFigureOut">
               <a:rPr lang="en-GB" smtClean="0"/>
-              <a:t>02/12/2024</a:t>
+              <a:t>11/12/2024</a:t>
             </a:fld>
             <a:endParaRPr lang="en-GB"/>
           </a:p>
@@ -908,7 +908,7 @@
           <a:p>
             <a:fld id="{12AB5F0E-A95C-46BF-94C7-39E1AC4111E3}" type="datetimeFigureOut">
               <a:rPr lang="en-GB" smtClean="0"/>
-              <a:t>02/12/2024</a:t>
+              <a:t>11/12/2024</a:t>
             </a:fld>
             <a:endParaRPr lang="en-GB"/>
           </a:p>
@@ -1118,7 +1118,7 @@
           <a:p>
             <a:fld id="{12AB5F0E-A95C-46BF-94C7-39E1AC4111E3}" type="datetimeFigureOut">
               <a:rPr lang="en-GB" smtClean="0"/>
-              <a:t>02/12/2024</a:t>
+              <a:t>11/12/2024</a:t>
             </a:fld>
             <a:endParaRPr lang="en-GB"/>
           </a:p>
@@ -1318,7 +1318,7 @@
           <a:p>
             <a:fld id="{12AB5F0E-A95C-46BF-94C7-39E1AC4111E3}" type="datetimeFigureOut">
               <a:rPr lang="en-GB" smtClean="0"/>
-              <a:t>02/12/2024</a:t>
+              <a:t>11/12/2024</a:t>
             </a:fld>
             <a:endParaRPr lang="en-GB"/>
           </a:p>
@@ -1594,7 +1594,7 @@
           <a:p>
             <a:fld id="{12AB5F0E-A95C-46BF-94C7-39E1AC4111E3}" type="datetimeFigureOut">
               <a:rPr lang="en-GB" smtClean="0"/>
-              <a:t>02/12/2024</a:t>
+              <a:t>11/12/2024</a:t>
             </a:fld>
             <a:endParaRPr lang="en-GB"/>
           </a:p>
@@ -1862,7 +1862,7 @@
           <a:p>
             <a:fld id="{12AB5F0E-A95C-46BF-94C7-39E1AC4111E3}" type="datetimeFigureOut">
               <a:rPr lang="en-GB" smtClean="0"/>
-              <a:t>02/12/2024</a:t>
+              <a:t>11/12/2024</a:t>
             </a:fld>
             <a:endParaRPr lang="en-GB"/>
           </a:p>
@@ -2277,7 +2277,7 @@
           <a:p>
             <a:fld id="{12AB5F0E-A95C-46BF-94C7-39E1AC4111E3}" type="datetimeFigureOut">
               <a:rPr lang="en-GB" smtClean="0"/>
-              <a:t>02/12/2024</a:t>
+              <a:t>11/12/2024</a:t>
             </a:fld>
             <a:endParaRPr lang="en-GB"/>
           </a:p>
@@ -2419,7 +2419,7 @@
           <a:p>
             <a:fld id="{12AB5F0E-A95C-46BF-94C7-39E1AC4111E3}" type="datetimeFigureOut">
               <a:rPr lang="en-GB" smtClean="0"/>
-              <a:t>02/12/2024</a:t>
+              <a:t>11/12/2024</a:t>
             </a:fld>
             <a:endParaRPr lang="en-GB"/>
           </a:p>
@@ -2532,7 +2532,7 @@
           <a:p>
             <a:fld id="{12AB5F0E-A95C-46BF-94C7-39E1AC4111E3}" type="datetimeFigureOut">
               <a:rPr lang="en-GB" smtClean="0"/>
-              <a:t>02/12/2024</a:t>
+              <a:t>11/12/2024</a:t>
             </a:fld>
             <a:endParaRPr lang="en-GB"/>
           </a:p>
@@ -2845,7 +2845,7 @@
           <a:p>
             <a:fld id="{12AB5F0E-A95C-46BF-94C7-39E1AC4111E3}" type="datetimeFigureOut">
               <a:rPr lang="en-GB" smtClean="0"/>
-              <a:t>02/12/2024</a:t>
+              <a:t>11/12/2024</a:t>
             </a:fld>
             <a:endParaRPr lang="en-GB"/>
           </a:p>
@@ -3134,7 +3134,7 @@
           <a:p>
             <a:fld id="{12AB5F0E-A95C-46BF-94C7-39E1AC4111E3}" type="datetimeFigureOut">
               <a:rPr lang="en-GB" smtClean="0"/>
-              <a:t>02/12/2024</a:t>
+              <a:t>11/12/2024</a:t>
             </a:fld>
             <a:endParaRPr lang="en-GB"/>
           </a:p>
@@ -3377,7 +3377,7 @@
           <a:p>
             <a:fld id="{12AB5F0E-A95C-46BF-94C7-39E1AC4111E3}" type="datetimeFigureOut">
               <a:rPr lang="en-GB" smtClean="0"/>
-              <a:t>02/12/2024</a:t>
+              <a:t>11/12/2024</a:t>
             </a:fld>
             <a:endParaRPr lang="en-GB"/>
           </a:p>
@@ -7344,7 +7344,7 @@
             </a:pPr>
             <a:r>
               <a:rPr lang="en-US" dirty="0"/>
-              <a:t>Yes, with an accuracy of 77%, meaning that 23% of the time the model will choose incorrectly.</a:t>
+              <a:t>Yes, with an accuracy of 73%, meaning that 27% of the time the model will choose incorrectly.</a:t>
             </a:r>
           </a:p>
           <a:p>
@@ -7382,16 +7382,17 @@
               </a:spcBef>
             </a:pPr>
             <a:r>
-              <a:rPr lang="en-US" dirty="0"/>
-              <a:t>Yes, with both k-nearest neighbor and random forest models we </a:t>
-            </a:r>
-            <a:r>
-              <a:rPr lang="en-US" dirty="0" err="1"/>
-              <a:t>obained</a:t>
-            </a:r>
-            <a:r>
-              <a:rPr lang="en-US" dirty="0"/>
-              <a:t> at least an 80% f1-score for high traffic recipes which is a balanced measure of both precision (false positives) and recall (false negatives).</a:t>
+              <a:rPr lang="en-US" b="0" i="0" dirty="0">
+                <a:solidFill>
+                  <a:srgbClr val="05192D"/>
+                </a:solidFill>
+                <a:effectLst/>
+                <a:highlight>
+                  <a:srgbClr val="FFFFFF"/>
+                </a:highlight>
+                <a:latin typeface="Studio-Feixen-Sans"/>
+              </a:rPr>
+              <a:t>No, we were only able to correctly predict high traffic recipes 73% of the time but the model predicted most low traffic recipes correctly as well meaning that not many low traffic recipes were predicted as high.</a:t>
             </a:r>
             <a:endParaRPr lang="en-US" kern="1200" dirty="0">
               <a:solidFill>
@@ -7443,7 +7444,7 @@
                 </a:highlight>
                 <a:latin typeface="+mj-lt"/>
               </a:rPr>
-              <a:t>The key difference between the two models lies in their accuracy in predicting low-traffic recipes. While the k-nearest neighbor model excels at identifying high-traffic recipes, it's more prone to misclassifying low-traffic recipes as high-traffic. The random forest classifier, on the other hand, is more reliable in this regard. As a result, the random forest model has a 5% higher chance of displaying truly high-traffic recipes.</a:t>
+              <a:t>The key difference between the two models lies in their accuracy in predicting low-traffic recipes. While the k-nearest neighbor model excels at identifying high-traffic recipes, it's more prone to misclassifying low-traffic recipes as high-traffic. The random forest classifier, on the other hand, is more reliable in this regard. As a result, the random forest model has a 2% higher chance of displaying truly high-traffic recipes.</a:t>
             </a:r>
             <a:endParaRPr lang="en-GB" dirty="0">
               <a:latin typeface="+mj-lt"/>
@@ -7739,7 +7740,7 @@
           <a:lstStyle/>
           <a:p>
             <a:r>
-              <a:rPr lang="en-US" sz="4000"/>
+              <a:rPr lang="en-US" sz="4000" dirty="0"/>
               <a:t>Recommendations to the business</a:t>
             </a:r>
           </a:p>
@@ -7857,7 +7858,7 @@
                 </a:highlight>
                 <a:latin typeface="+mj-lt"/>
               </a:rPr>
-              <a:t>Conduct A/B testing </a:t>
+              <a:t>Improve data quality and incorporate more features.</a:t>
             </a:r>
           </a:p>
           <a:p>
@@ -7876,7 +7877,7 @@
                 </a:highlight>
                 <a:latin typeface="+mj-lt"/>
               </a:rPr>
-              <a:t>Test the model for a few months and determine the outcome.</a:t>
+              <a:t>Conduct A/B testing.</a:t>
             </a:r>
           </a:p>
           <a:p>
@@ -7895,7 +7896,7 @@
                 </a:highlight>
                 <a:latin typeface="+mj-lt"/>
               </a:rPr>
-              <a:t>Add additional features to the current data.</a:t>
+              <a:t>Gather more data while testing the model.</a:t>
             </a:r>
           </a:p>
           <a:p>
@@ -7914,7 +7915,7 @@
                 </a:highlight>
                 <a:latin typeface="+mj-lt"/>
               </a:rPr>
-              <a:t> Measure other metrics.</a:t>
+              <a:t>Measure other metrics.</a:t>
             </a:r>
           </a:p>
         </p:txBody>
@@ -8072,10 +8073,10 @@
       </p:sp>
       <p:pic>
         <p:nvPicPr>
-          <p:cNvPr id="3" name="Picture 2" descr="A comparison of different colored bars&#10;&#10;Description automatically generated">
-            <a:extLst>
-              <a:ext uri="{FF2B5EF4-FFF2-40B4-BE49-F238E27FC236}">
-                <a16:creationId xmlns:a16="http://schemas.microsoft.com/office/drawing/2014/main" id="{DFF272C0-9BC2-B6DF-4E40-3FF5C573E245}"/>
+          <p:cNvPr id="5" name="Picture 4" descr="A graph of different colored bars&#10;&#10;Description automatically generated with medium confidence">
+            <a:extLst>
+              <a:ext uri="{FF2B5EF4-FFF2-40B4-BE49-F238E27FC236}">
+                <a16:creationId xmlns:a16="http://schemas.microsoft.com/office/drawing/2014/main" id="{2BCA49E7-7E62-4C1B-7DA1-8208EAAE503C}"/>
               </a:ext>
             </a:extLst>
           </p:cNvPr>
@@ -8098,8 +8099,8 @@
         </p:blipFill>
         <p:spPr>
           <a:xfrm>
-            <a:off x="1454397" y="1692172"/>
-            <a:ext cx="8901714" cy="4762415"/>
+            <a:off x="1408767" y="1458602"/>
+            <a:ext cx="9189739" cy="4882906"/>
           </a:xfrm>
           <a:prstGeom prst="rect">
             <a:avLst/>
@@ -8388,10 +8389,10 @@
       </p:sp>
       <p:pic>
         <p:nvPicPr>
-          <p:cNvPr id="8" name="Picture 7" descr="A graph of different colored bars&#10;&#10;Description automatically generated with medium confidence">
-            <a:extLst>
-              <a:ext uri="{FF2B5EF4-FFF2-40B4-BE49-F238E27FC236}">
-                <a16:creationId xmlns:a16="http://schemas.microsoft.com/office/drawing/2014/main" id="{FFF907AF-D120-1CA5-F20E-EFAFD94698EA}"/>
+          <p:cNvPr id="7" name="Picture 6" descr="A group of colorful bars&#10;&#10;Description automatically generated with medium confidence">
+            <a:extLst>
+              <a:ext uri="{FF2B5EF4-FFF2-40B4-BE49-F238E27FC236}">
+                <a16:creationId xmlns:a16="http://schemas.microsoft.com/office/drawing/2014/main" id="{C99C5137-1DEC-AB67-95CB-E56420D6AD66}"/>
               </a:ext>
             </a:extLst>
           </p:cNvPr>
@@ -8414,8 +8415,8 @@
         </p:blipFill>
         <p:spPr>
           <a:xfrm>
-            <a:off x="1731237" y="1389028"/>
-            <a:ext cx="8073163" cy="5357212"/>
+            <a:off x="1692779" y="1401616"/>
+            <a:ext cx="8020181" cy="5324303"/>
           </a:xfrm>
           <a:prstGeom prst="rect">
             <a:avLst/>
@@ -9154,23 +9155,23 @@
             </a:r>
             <a:r>
               <a:rPr lang="en-US" b="1" dirty="0"/>
-              <a:t>accuracy</a:t>
+              <a:t>accuracy </a:t>
             </a:r>
             <a:r>
               <a:rPr lang="en-US" dirty="0"/>
-              <a:t> and </a:t>
+              <a:t>(overall performance of the model) and </a:t>
             </a:r>
             <a:r>
               <a:rPr lang="en-US" b="1" dirty="0"/>
-              <a:t>f1-score</a:t>
+              <a:t>recall</a:t>
             </a:r>
             <a:r>
               <a:rPr lang="en-US" dirty="0"/>
-              <a:t> which is a </a:t>
+              <a:t> </a:t>
             </a:r>
             <a:r>
               <a:rPr lang="en-GB" dirty="0"/>
-              <a:t>a harmonic mean of precision (the proportion of positive predictions that are actually positive) and recall (the proportion of actual positive cases that are correctly identified).</a:t>
+              <a:t>(the proportion of actual positive cases that are correctly identified).</a:t>
             </a:r>
             <a:endParaRPr lang="en-US" kern="1200" dirty="0">
               <a:solidFill>
@@ -9197,7 +9198,7 @@
         </p:nvSpPr>
         <p:spPr>
           <a:xfrm>
-            <a:off x="1005892" y="4607610"/>
+            <a:off x="1005892" y="4348993"/>
             <a:ext cx="10528891" cy="1477328"/>
           </a:xfrm>
           <a:prstGeom prst="rect">
@@ -9350,36 +9351,6 @@
           </a:p>
         </p:txBody>
       </p:sp>
-      <p:pic>
-        <p:nvPicPr>
-          <p:cNvPr id="5" name="Picture 4">
-            <a:extLst>
-              <a:ext uri="{FF2B5EF4-FFF2-40B4-BE49-F238E27FC236}">
-                <a16:creationId xmlns:a16="http://schemas.microsoft.com/office/drawing/2014/main" id="{E1E4AFEC-FB23-8AC3-FD08-B95DE5737E1A}"/>
-              </a:ext>
-            </a:extLst>
-          </p:cNvPr>
-          <p:cNvPicPr>
-            <a:picLocks noChangeAspect="1"/>
-          </p:cNvPicPr>
-          <p:nvPr/>
-        </p:nvPicPr>
-        <p:blipFill>
-          <a:blip r:embed="rId2"/>
-          <a:stretch>
-            <a:fillRect/>
-          </a:stretch>
-        </p:blipFill>
-        <p:spPr>
-          <a:xfrm>
-            <a:off x="1363225" y="1529640"/>
-            <a:ext cx="5402626" cy="1899360"/>
-          </a:xfrm>
-          <a:prstGeom prst="rect">
-            <a:avLst/>
-          </a:prstGeom>
-        </p:spPr>
-      </p:pic>
       <p:sp>
         <p:nvSpPr>
           <p:cNvPr id="7" name="TextBox 6">
@@ -9432,10 +9403,40 @@
       </p:sp>
       <p:pic>
         <p:nvPicPr>
-          <p:cNvPr id="9" name="Picture 8">
-            <a:extLst>
-              <a:ext uri="{FF2B5EF4-FFF2-40B4-BE49-F238E27FC236}">
-                <a16:creationId xmlns:a16="http://schemas.microsoft.com/office/drawing/2014/main" id="{32D862FF-3FE6-F2D7-2CBE-FC98A09676F4}"/>
+          <p:cNvPr id="4" name="Picture 3">
+            <a:extLst>
+              <a:ext uri="{FF2B5EF4-FFF2-40B4-BE49-F238E27FC236}">
+                <a16:creationId xmlns:a16="http://schemas.microsoft.com/office/drawing/2014/main" id="{44A8AFBD-835D-8E78-9879-D3B0E143B8D7}"/>
+              </a:ext>
+            </a:extLst>
+          </p:cNvPr>
+          <p:cNvPicPr>
+            <a:picLocks noChangeAspect="1"/>
+          </p:cNvPicPr>
+          <p:nvPr/>
+        </p:nvPicPr>
+        <p:blipFill>
+          <a:blip r:embed="rId2"/>
+          <a:stretch>
+            <a:fillRect/>
+          </a:stretch>
+        </p:blipFill>
+        <p:spPr>
+          <a:xfrm>
+            <a:off x="928983" y="1641349"/>
+            <a:ext cx="5167017" cy="1825084"/>
+          </a:xfrm>
+          <a:prstGeom prst="rect">
+            <a:avLst/>
+          </a:prstGeom>
+        </p:spPr>
+      </p:pic>
+      <p:pic>
+        <p:nvPicPr>
+          <p:cNvPr id="10" name="Picture 9">
+            <a:extLst>
+              <a:ext uri="{FF2B5EF4-FFF2-40B4-BE49-F238E27FC236}">
+                <a16:creationId xmlns:a16="http://schemas.microsoft.com/office/drawing/2014/main" id="{814ED355-C8EC-BFE5-DF73-FAEE455EE360}"/>
               </a:ext>
             </a:extLst>
           </p:cNvPr>
@@ -9452,8 +9453,68 @@
         </p:blipFill>
         <p:spPr>
           <a:xfrm>
-            <a:off x="1265277" y="4361170"/>
-            <a:ext cx="5743177" cy="1893454"/>
+            <a:off x="7532288" y="900745"/>
+            <a:ext cx="3442321" cy="2831530"/>
+          </a:xfrm>
+          <a:prstGeom prst="rect">
+            <a:avLst/>
+          </a:prstGeom>
+        </p:spPr>
+      </p:pic>
+      <p:pic>
+        <p:nvPicPr>
+          <p:cNvPr id="12" name="Picture 11">
+            <a:extLst>
+              <a:ext uri="{FF2B5EF4-FFF2-40B4-BE49-F238E27FC236}">
+                <a16:creationId xmlns:a16="http://schemas.microsoft.com/office/drawing/2014/main" id="{87CFED07-03D1-EF00-9BE0-DD1CE4131D6A}"/>
+              </a:ext>
+            </a:extLst>
+          </p:cNvPr>
+          <p:cNvPicPr>
+            <a:picLocks noChangeAspect="1"/>
+          </p:cNvPicPr>
+          <p:nvPr/>
+        </p:nvPicPr>
+        <p:blipFill>
+          <a:blip r:embed="rId4"/>
+          <a:stretch>
+            <a:fillRect/>
+          </a:stretch>
+        </p:blipFill>
+        <p:spPr>
+          <a:xfrm>
+            <a:off x="920964" y="4472880"/>
+            <a:ext cx="5338374" cy="1743482"/>
+          </a:xfrm>
+          <a:prstGeom prst="rect">
+            <a:avLst/>
+          </a:prstGeom>
+        </p:spPr>
+      </p:pic>
+      <p:pic>
+        <p:nvPicPr>
+          <p:cNvPr id="14" name="Picture 13">
+            <a:extLst>
+              <a:ext uri="{FF2B5EF4-FFF2-40B4-BE49-F238E27FC236}">
+                <a16:creationId xmlns:a16="http://schemas.microsoft.com/office/drawing/2014/main" id="{BCAA3FA4-53E6-4B65-F1C3-8D8C2B68AEFB}"/>
+              </a:ext>
+            </a:extLst>
+          </p:cNvPr>
+          <p:cNvPicPr>
+            <a:picLocks noChangeAspect="1"/>
+          </p:cNvPicPr>
+          <p:nvPr/>
+        </p:nvPicPr>
+        <p:blipFill>
+          <a:blip r:embed="rId5"/>
+          <a:stretch>
+            <a:fillRect/>
+          </a:stretch>
+        </p:blipFill>
+        <p:spPr>
+          <a:xfrm>
+            <a:off x="7646907" y="3900533"/>
+            <a:ext cx="3460917" cy="2823747"/>
           </a:xfrm>
           <a:prstGeom prst="rect">
             <a:avLst/>
